--- a/trunk/Viktor/Virtuális Egér.pptx
+++ b/trunk/Viktor/Virtuális Egér.pptx
@@ -5092,11 +5092,7 @@
             </a:pPr>
             <a:r>
               <a:rPr lang="hu-HU" dirty="0" smtClean="0"/>
-              <a:t>Jobb </a:t>
-            </a:r>
-            <a:r>
-              <a:rPr lang="hu-HU" dirty="0" smtClean="0"/>
-              <a:t>klikk</a:t>
+              <a:t>Jobb klikk</a:t>
             </a:r>
           </a:p>
           <a:p>
@@ -5108,7 +5104,6 @@
               <a:rPr lang="hu-HU" dirty="0" smtClean="0"/>
               <a:t>Dupla klikk</a:t>
             </a:r>
-            <a:endParaRPr lang="hu-HU" dirty="0" smtClean="0"/>
           </a:p>
           <a:p>
             <a:pPr marL="514350" indent="-514350">
@@ -6799,15 +6794,15 @@
             <a:pPr algn="just"/>
             <a:r>
               <a:rPr lang="hu-HU" dirty="0" smtClean="0"/>
-              <a:t>Az egérmozgást </a:t>
-            </a:r>
-            <a:r>
-              <a:rPr lang="hu-HU" dirty="0" err="1" smtClean="0"/>
-              <a:t>miniumkereséssel</a:t>
-            </a:r>
-            <a:r>
-              <a:rPr lang="hu-HU" dirty="0" smtClean="0"/>
-              <a:t> </a:t>
+              <a:t>Az </a:t>
+            </a:r>
+            <a:r>
+              <a:rPr lang="hu-HU" smtClean="0"/>
+              <a:t>egérmozgást </a:t>
+            </a:r>
+            <a:r>
+              <a:rPr lang="hu-HU" smtClean="0"/>
+              <a:t>minimumkereséssel </a:t>
             </a:r>
             <a:r>
               <a:rPr lang="hu-HU" dirty="0" smtClean="0"/>

--- a/trunk/Viktor/Virtuális Egér.pptx
+++ b/trunk/Viktor/Virtuális Egér.pptx
@@ -4912,8 +4912,13 @@
           <a:p>
             <a:r>
               <a:rPr lang="hu-HU" dirty="0" smtClean="0"/>
-              <a:t>A „jobb egér” kattintást pedig a kéz megfordítása jelenti.</a:t>
-            </a:r>
+              <a:t>A „jobb egér” kattintást pedig </a:t>
+            </a:r>
+            <a:r>
+              <a:rPr lang="hu-HU" dirty="0" smtClean="0"/>
+              <a:t>a tenyér széttárása jelenti.</a:t>
+            </a:r>
+            <a:endParaRPr lang="hu-HU" dirty="0" smtClean="0"/>
           </a:p>
           <a:p>
             <a:endParaRPr lang="hu-HU" dirty="0"/>
@@ -4989,6 +4994,70 @@
           </a:p>
         </p:txBody>
       </p:sp>
+      <p:pic>
+        <p:nvPicPr>
+          <p:cNvPr id="7" name="Picture 2"/>
+          <p:cNvPicPr>
+            <a:picLocks noChangeAspect="1" noChangeArrowheads="1"/>
+          </p:cNvPicPr>
+          <p:nvPr/>
+        </p:nvPicPr>
+        <p:blipFill>
+          <a:blip r:embed="rId2">
+            <a:extLst>
+              <a:ext uri="{28A0092B-C50C-407E-A947-70E740481C1C}">
+                <a14:useLocalDpi xmlns:a14="http://schemas.microsoft.com/office/drawing/2010/main" val="0"/>
+              </a:ext>
+            </a:extLst>
+          </a:blip>
+          <a:srcRect/>
+          <a:stretch>
+            <a:fillRect/>
+          </a:stretch>
+        </p:blipFill>
+        <p:spPr bwMode="auto">
+          <a:xfrm>
+            <a:off x="4139952" y="2348880"/>
+            <a:ext cx="4084116" cy="3219099"/>
+          </a:xfrm>
+          <a:prstGeom prst="rect">
+            <a:avLst/>
+          </a:prstGeom>
+          <a:noFill/>
+          <a:ln>
+            <a:noFill/>
+          </a:ln>
+          <a:effectLst/>
+          <a:extLst>
+            <a:ext uri="{909E8E84-426E-40DD-AFC4-6F175D3DCCD1}">
+              <a14:hiddenFill xmlns:a14="http://schemas.microsoft.com/office/drawing/2010/main">
+                <a:solidFill>
+                  <a:schemeClr val="accent1"/>
+                </a:solidFill>
+              </a14:hiddenFill>
+            </a:ext>
+            <a:ext uri="{91240B29-F687-4F45-9708-019B960494DF}">
+              <a14:hiddenLine xmlns:a14="http://schemas.microsoft.com/office/drawing/2010/main" w="9525">
+                <a:solidFill>
+                  <a:schemeClr val="tx1"/>
+                </a:solidFill>
+                <a:miter lim="800000"/>
+                <a:headEnd/>
+                <a:tailEnd/>
+              </a14:hiddenLine>
+            </a:ext>
+            <a:ext uri="{AF507438-7753-43E0-B8FC-AC1667EBCBE1}">
+              <a14:hiddenEffects xmlns:a14="http://schemas.microsoft.com/office/drawing/2010/main">
+                <a:effectLst>
+                  <a:outerShdw dist="35921" dir="2700000" algn="ctr" rotWithShape="0">
+                    <a:schemeClr val="bg2"/>
+                  </a:outerShdw>
+                </a:effectLst>
+              </a14:hiddenEffects>
+            </a:ext>
+          </a:extLst>
+        </p:spPr>
+      </p:pic>
     </p:spTree>
     <p:extLst>
       <p:ext uri="{BB962C8B-B14F-4D97-AF65-F5344CB8AC3E}">
@@ -6798,11 +6867,7 @@
             </a:r>
             <a:r>
               <a:rPr lang="hu-HU" smtClean="0"/>
-              <a:t>egérmozgást </a:t>
-            </a:r>
-            <a:r>
-              <a:rPr lang="hu-HU" smtClean="0"/>
-              <a:t>minimumkereséssel </a:t>
+              <a:t>egérmozgást minimumkereséssel </a:t>
             </a:r>
             <a:r>
               <a:rPr lang="hu-HU" dirty="0" smtClean="0"/>
